--- a/OfficeAddin/04 Building Add-ins for Microsoft Outlook/03 Task Pane Experiences.pptx
+++ b/OfficeAddin/04 Building Add-ins for Microsoft Outlook/03 Task Pane Experiences.pptx
@@ -275,7 +275,7 @@
               <a:rPr lang="en-US" smtClean="0">
                 <a:latin typeface="Segoe UI" pitchFamily="34" charset="0"/>
               </a:rPr>
-              <a:t>12/19/18 2:06 AM</a:t>
+              <a:t>3/4/19 8:30 PM</a:t>
             </a:fld>
             <a:endParaRPr lang="en-US" dirty="0">
               <a:latin typeface="Segoe UI" pitchFamily="34" charset="0"/>
@@ -569,7 +569,7 @@
           <a:p>
             <a:fld id="{D18B56EA-E28F-4F92-9F16-7A6F2501B303}" type="datetime8">
               <a:rPr lang="en-US" smtClean="0"/>
-              <a:t>12/19/18 2:06 AM</a:t>
+              <a:t>3/4/19 8:30 PM</a:t>
             </a:fld>
             <a:endParaRPr lang="en-US" dirty="0"/>
           </a:p>
@@ -1057,7 +1057,7 @@
                 <a:tabLst/>
                 <a:defRPr/>
               </a:pPr>
-              <a:t>12/19/18 2:06 AM</a:t>
+              <a:t>3/4/19 8:30 PM</a:t>
             </a:fld>
             <a:endParaRPr kumimoji="0" lang="en-US" sz="1200" b="0" i="0" u="none" strike="noStrike" kern="1200" cap="none" spc="0" normalizeH="0" baseline="0" noProof="0" dirty="0">
               <a:ln>
@@ -1332,7 +1332,7 @@
           <a:p>
             <a:fld id="{D18B56EA-E28F-4F92-9F16-7A6F2501B303}" type="datetime8">
               <a:rPr lang="en-US" smtClean="0"/>
-              <a:t>12/19/18 2:06 AM</a:t>
+              <a:t>3/4/19 8:30 PM</a:t>
             </a:fld>
             <a:endParaRPr lang="en-US" dirty="0"/>
           </a:p>
@@ -1547,7 +1547,7 @@
           <a:p>
             <a:fld id="{D18B56EA-E28F-4F92-9F16-7A6F2501B303}" type="datetime8">
               <a:rPr lang="en-US" smtClean="0"/>
-              <a:t>12/19/18 2:06 AM</a:t>
+              <a:t>3/4/19 8:30 PM</a:t>
             </a:fld>
             <a:endParaRPr lang="en-US" dirty="0"/>
           </a:p>
@@ -1735,7 +1735,7 @@
           <a:p>
             <a:fld id="{D18B56EA-E28F-4F92-9F16-7A6F2501B303}" type="datetime8">
               <a:rPr lang="en-US" smtClean="0"/>
-              <a:t>12/19/18 2:06 AM</a:t>
+              <a:t>3/4/19 8:30 PM</a:t>
             </a:fld>
             <a:endParaRPr lang="en-US" dirty="0"/>
           </a:p>
@@ -1960,7 +1960,7 @@
           <a:p>
             <a:fld id="{D18B56EA-E28F-4F92-9F16-7A6F2501B303}" type="datetime8">
               <a:rPr lang="en-US" smtClean="0"/>
-              <a:t>12/19/18 2:06 AM</a:t>
+              <a:t>3/4/19 8:30 PM</a:t>
             </a:fld>
             <a:endParaRPr lang="en-US" dirty="0"/>
           </a:p>
@@ -2141,7 +2141,7 @@
           <a:p>
             <a:fld id="{D18B56EA-E28F-4F92-9F16-7A6F2501B303}" type="datetime8">
               <a:rPr lang="en-US" smtClean="0"/>
-              <a:t>12/19/18 2:06 AM</a:t>
+              <a:t>3/4/19 8:30 PM</a:t>
             </a:fld>
             <a:endParaRPr lang="en-US" dirty="0"/>
           </a:p>
@@ -2322,7 +2322,7 @@
           <a:p>
             <a:fld id="{D18B56EA-E28F-4F92-9F16-7A6F2501B303}" type="datetime8">
               <a:rPr lang="en-US" smtClean="0"/>
-              <a:t>12/19/18 2:06 AM</a:t>
+              <a:t>3/4/19 8:30 PM</a:t>
             </a:fld>
             <a:endParaRPr lang="en-US" dirty="0"/>
           </a:p>
@@ -2503,7 +2503,7 @@
           <a:p>
             <a:fld id="{D18B56EA-E28F-4F92-9F16-7A6F2501B303}" type="datetime8">
               <a:rPr lang="en-US" smtClean="0"/>
-              <a:t>12/19/18 2:06 AM</a:t>
+              <a:t>3/4/19 8:30 PM</a:t>
             </a:fld>
             <a:endParaRPr lang="en-US" dirty="0"/>
           </a:p>
@@ -2684,7 +2684,7 @@
           <a:p>
             <a:fld id="{D18B56EA-E28F-4F92-9F16-7A6F2501B303}" type="datetime8">
               <a:rPr lang="en-US" smtClean="0"/>
-              <a:t>12/19/18 2:06 AM</a:t>
+              <a:t>3/4/19 8:30 PM</a:t>
             </a:fld>
             <a:endParaRPr lang="en-US" dirty="0"/>
           </a:p>
@@ -2970,7 +2970,7 @@
                 <a:tabLst/>
                 <a:defRPr/>
               </a:pPr>
-              <a:t>12/19/18 2:06 AM</a:t>
+              <a:t>3/4/19 8:30 PM</a:t>
             </a:fld>
             <a:endParaRPr kumimoji="0" lang="en-US" sz="1200" b="0" i="0" u="none" strike="noStrike" kern="1200" cap="none" spc="0" normalizeH="0" baseline="0" noProof="0" dirty="0">
               <a:ln>
@@ -3223,7 +3223,7 @@
           <a:p>
             <a:fld id="{D18B56EA-E28F-4F92-9F16-7A6F2501B303}" type="datetime8">
               <a:rPr lang="en-US" smtClean="0"/>
-              <a:t>12/19/18 2:06 AM</a:t>
+              <a:t>3/4/19 8:30 PM</a:t>
             </a:fld>
             <a:endParaRPr lang="en-US" dirty="0"/>
           </a:p>
@@ -3484,7 +3484,7 @@
           <a:p>
             <a:fld id="{D18B56EA-E28F-4F92-9F16-7A6F2501B303}" type="datetime8">
               <a:rPr lang="en-US" smtClean="0"/>
-              <a:t>12/19/18 2:06 AM</a:t>
+              <a:t>3/4/19 8:30 PM</a:t>
             </a:fld>
             <a:endParaRPr lang="en-US" dirty="0"/>
           </a:p>
@@ -3711,7 +3711,7 @@
           <a:p>
             <a:fld id="{D18B56EA-E28F-4F92-9F16-7A6F2501B303}" type="datetime8">
               <a:rPr lang="en-US" smtClean="0"/>
-              <a:t>12/19/18 2:06 AM</a:t>
+              <a:t>3/4/19 8:30 PM</a:t>
             </a:fld>
             <a:endParaRPr lang="en-US" dirty="0"/>
           </a:p>
@@ -3974,7 +3974,7 @@
           <a:p>
             <a:fld id="{D18B56EA-E28F-4F92-9F16-7A6F2501B303}" type="datetime8">
               <a:rPr lang="en-US" smtClean="0"/>
-              <a:t>12/19/18 2:06 AM</a:t>
+              <a:t>3/4/19 8:30 PM</a:t>
             </a:fld>
             <a:endParaRPr lang="en-US" dirty="0"/>
           </a:p>
@@ -4197,7 +4197,7 @@
           <a:p>
             <a:fld id="{D18B56EA-E28F-4F92-9F16-7A6F2501B303}" type="datetime8">
               <a:rPr lang="en-US" smtClean="0"/>
-              <a:t>12/19/18 2:06 AM</a:t>
+              <a:t>3/4/19 8:30 PM</a:t>
             </a:fld>
             <a:endParaRPr lang="en-US" dirty="0"/>
           </a:p>
@@ -4395,7 +4395,7 @@
           <a:p>
             <a:fld id="{D18B56EA-E28F-4F92-9F16-7A6F2501B303}" type="datetime8">
               <a:rPr lang="en-US" smtClean="0"/>
-              <a:t>12/19/18 2:06 AM</a:t>
+              <a:t>3/4/19 8:30 PM</a:t>
             </a:fld>
             <a:endParaRPr lang="en-US" dirty="0"/>
           </a:p>
@@ -4610,7 +4610,7 @@
           <a:p>
             <a:fld id="{D18B56EA-E28F-4F92-9F16-7A6F2501B303}" type="datetime8">
               <a:rPr lang="en-US" smtClean="0"/>
-              <a:t>12/19/18 2:06 AM</a:t>
+              <a:t>3/4/19 8:30 PM</a:t>
             </a:fld>
             <a:endParaRPr lang="en-US" dirty="0"/>
           </a:p>

--- a/OfficeAddin/04 Building Add-ins for Microsoft Outlook/03 Task Pane Experiences.pptx
+++ b/OfficeAddin/04 Building Add-ins for Microsoft Outlook/03 Task Pane Experiences.pptx
@@ -275,7 +275,7 @@
               <a:rPr lang="en-US" smtClean="0">
                 <a:latin typeface="Segoe UI" pitchFamily="34" charset="0"/>
               </a:rPr>
-              <a:t>3/4/19 8:30 PM</a:t>
+              <a:t>6/5/19 4:28 PM</a:t>
             </a:fld>
             <a:endParaRPr lang="en-US" dirty="0">
               <a:latin typeface="Segoe UI" pitchFamily="34" charset="0"/>
@@ -569,7 +569,7 @@
           <a:p>
             <a:fld id="{D18B56EA-E28F-4F92-9F16-7A6F2501B303}" type="datetime8">
               <a:rPr lang="en-US" smtClean="0"/>
-              <a:t>3/4/19 8:30 PM</a:t>
+              <a:t>6/5/19 4:28 PM</a:t>
             </a:fld>
             <a:endParaRPr lang="en-US" dirty="0"/>
           </a:p>
@@ -1057,7 +1057,7 @@
                 <a:tabLst/>
                 <a:defRPr/>
               </a:pPr>
-              <a:t>3/4/19 8:30 PM</a:t>
+              <a:t>6/5/19 4:28 PM</a:t>
             </a:fld>
             <a:endParaRPr kumimoji="0" lang="en-US" sz="1200" b="0" i="0" u="none" strike="noStrike" kern="1200" cap="none" spc="0" normalizeH="0" baseline="0" noProof="0" dirty="0">
               <a:ln>
@@ -1332,7 +1332,7 @@
           <a:p>
             <a:fld id="{D18B56EA-E28F-4F92-9F16-7A6F2501B303}" type="datetime8">
               <a:rPr lang="en-US" smtClean="0"/>
-              <a:t>3/4/19 8:30 PM</a:t>
+              <a:t>6/5/19 4:28 PM</a:t>
             </a:fld>
             <a:endParaRPr lang="en-US" dirty="0"/>
           </a:p>
@@ -1547,7 +1547,7 @@
           <a:p>
             <a:fld id="{D18B56EA-E28F-4F92-9F16-7A6F2501B303}" type="datetime8">
               <a:rPr lang="en-US" smtClean="0"/>
-              <a:t>3/4/19 8:30 PM</a:t>
+              <a:t>6/5/19 4:28 PM</a:t>
             </a:fld>
             <a:endParaRPr lang="en-US" dirty="0"/>
           </a:p>
@@ -1735,7 +1735,7 @@
           <a:p>
             <a:fld id="{D18B56EA-E28F-4F92-9F16-7A6F2501B303}" type="datetime8">
               <a:rPr lang="en-US" smtClean="0"/>
-              <a:t>3/4/19 8:30 PM</a:t>
+              <a:t>6/5/19 4:28 PM</a:t>
             </a:fld>
             <a:endParaRPr lang="en-US" dirty="0"/>
           </a:p>
@@ -1960,7 +1960,7 @@
           <a:p>
             <a:fld id="{D18B56EA-E28F-4F92-9F16-7A6F2501B303}" type="datetime8">
               <a:rPr lang="en-US" smtClean="0"/>
-              <a:t>3/4/19 8:30 PM</a:t>
+              <a:t>6/5/19 4:28 PM</a:t>
             </a:fld>
             <a:endParaRPr lang="en-US" dirty="0"/>
           </a:p>
@@ -2141,7 +2141,7 @@
           <a:p>
             <a:fld id="{D18B56EA-E28F-4F92-9F16-7A6F2501B303}" type="datetime8">
               <a:rPr lang="en-US" smtClean="0"/>
-              <a:t>3/4/19 8:30 PM</a:t>
+              <a:t>6/5/19 4:28 PM</a:t>
             </a:fld>
             <a:endParaRPr lang="en-US" dirty="0"/>
           </a:p>
@@ -2322,7 +2322,7 @@
           <a:p>
             <a:fld id="{D18B56EA-E28F-4F92-9F16-7A6F2501B303}" type="datetime8">
               <a:rPr lang="en-US" smtClean="0"/>
-              <a:t>3/4/19 8:30 PM</a:t>
+              <a:t>6/5/19 4:28 PM</a:t>
             </a:fld>
             <a:endParaRPr lang="en-US" dirty="0"/>
           </a:p>
@@ -2503,7 +2503,7 @@
           <a:p>
             <a:fld id="{D18B56EA-E28F-4F92-9F16-7A6F2501B303}" type="datetime8">
               <a:rPr lang="en-US" smtClean="0"/>
-              <a:t>3/4/19 8:30 PM</a:t>
+              <a:t>6/5/19 4:28 PM</a:t>
             </a:fld>
             <a:endParaRPr lang="en-US" dirty="0"/>
           </a:p>
@@ -2684,7 +2684,7 @@
           <a:p>
             <a:fld id="{D18B56EA-E28F-4F92-9F16-7A6F2501B303}" type="datetime8">
               <a:rPr lang="en-US" smtClean="0"/>
-              <a:t>3/4/19 8:30 PM</a:t>
+              <a:t>6/5/19 4:28 PM</a:t>
             </a:fld>
             <a:endParaRPr lang="en-US" dirty="0"/>
           </a:p>
@@ -2970,7 +2970,7 @@
                 <a:tabLst/>
                 <a:defRPr/>
               </a:pPr>
-              <a:t>3/4/19 8:30 PM</a:t>
+              <a:t>6/5/19 4:28 PM</a:t>
             </a:fld>
             <a:endParaRPr kumimoji="0" lang="en-US" sz="1200" b="0" i="0" u="none" strike="noStrike" kern="1200" cap="none" spc="0" normalizeH="0" baseline="0" noProof="0" dirty="0">
               <a:ln>
@@ -3223,7 +3223,7 @@
           <a:p>
             <a:fld id="{D18B56EA-E28F-4F92-9F16-7A6F2501B303}" type="datetime8">
               <a:rPr lang="en-US" smtClean="0"/>
-              <a:t>3/4/19 8:30 PM</a:t>
+              <a:t>6/5/19 4:28 PM</a:t>
             </a:fld>
             <a:endParaRPr lang="en-US" dirty="0"/>
           </a:p>
@@ -3484,7 +3484,7 @@
           <a:p>
             <a:fld id="{D18B56EA-E28F-4F92-9F16-7A6F2501B303}" type="datetime8">
               <a:rPr lang="en-US" smtClean="0"/>
-              <a:t>3/4/19 8:30 PM</a:t>
+              <a:t>6/5/19 4:28 PM</a:t>
             </a:fld>
             <a:endParaRPr lang="en-US" dirty="0"/>
           </a:p>
@@ -3711,7 +3711,7 @@
           <a:p>
             <a:fld id="{D18B56EA-E28F-4F92-9F16-7A6F2501B303}" type="datetime8">
               <a:rPr lang="en-US" smtClean="0"/>
-              <a:t>3/4/19 8:30 PM</a:t>
+              <a:t>6/5/19 4:28 PM</a:t>
             </a:fld>
             <a:endParaRPr lang="en-US" dirty="0"/>
           </a:p>
@@ -3974,7 +3974,7 @@
           <a:p>
             <a:fld id="{D18B56EA-E28F-4F92-9F16-7A6F2501B303}" type="datetime8">
               <a:rPr lang="en-US" smtClean="0"/>
-              <a:t>3/4/19 8:30 PM</a:t>
+              <a:t>6/5/19 4:28 PM</a:t>
             </a:fld>
             <a:endParaRPr lang="en-US" dirty="0"/>
           </a:p>
@@ -4197,7 +4197,7 @@
           <a:p>
             <a:fld id="{D18B56EA-E28F-4F92-9F16-7A6F2501B303}" type="datetime8">
               <a:rPr lang="en-US" smtClean="0"/>
-              <a:t>3/4/19 8:30 PM</a:t>
+              <a:t>6/5/19 4:28 PM</a:t>
             </a:fld>
             <a:endParaRPr lang="en-US" dirty="0"/>
           </a:p>
@@ -4395,7 +4395,7 @@
           <a:p>
             <a:fld id="{D18B56EA-E28F-4F92-9F16-7A6F2501B303}" type="datetime8">
               <a:rPr lang="en-US" smtClean="0"/>
-              <a:t>3/4/19 8:30 PM</a:t>
+              <a:t>6/5/19 4:28 PM</a:t>
             </a:fld>
             <a:endParaRPr lang="en-US" dirty="0"/>
           </a:p>
@@ -4610,7 +4610,7 @@
           <a:p>
             <a:fld id="{D18B56EA-E28F-4F92-9F16-7A6F2501B303}" type="datetime8">
               <a:rPr lang="en-US" smtClean="0"/>
-              <a:t>3/4/19 8:30 PM</a:t>
+              <a:t>6/5/19 4:28 PM</a:t>
             </a:fld>
             <a:endParaRPr lang="en-US" dirty="0"/>
           </a:p>
@@ -14906,7 +14906,7 @@
       </a:lvl9pPr>
     </p:otherStyle>
   </p:txStyles>
-  <p:extLst mod="1">
+  <p:extLst>
     <p:ext uri="{27BBF7A9-308A-43DC-89C8-2F10F3537804}">
       <p15:sldGuideLst xmlns:p15="http://schemas.microsoft.com/office/powerpoint/2012/main">
         <p15:guide id="3" pos="1381" userDrawn="1">

--- a/OfficeAddin/04 Building Add-ins for Microsoft Outlook/03 Task Pane Experiences.pptx
+++ b/OfficeAddin/04 Building Add-ins for Microsoft Outlook/03 Task Pane Experiences.pptx
@@ -275,7 +275,7 @@
               <a:rPr lang="en-US" smtClean="0">
                 <a:latin typeface="Segoe UI" pitchFamily="34" charset="0"/>
               </a:rPr>
-              <a:t>6/5/19 4:28 PM</a:t>
+              <a:t>12/8/19 8:32 PM</a:t>
             </a:fld>
             <a:endParaRPr lang="en-US" dirty="0">
               <a:latin typeface="Segoe UI" pitchFamily="34" charset="0"/>
@@ -569,7 +569,7 @@
           <a:p>
             <a:fld id="{D18B56EA-E28F-4F92-9F16-7A6F2501B303}" type="datetime8">
               <a:rPr lang="en-US" smtClean="0"/>
-              <a:t>6/5/19 4:28 PM</a:t>
+              <a:t>12/8/19 8:32 PM</a:t>
             </a:fld>
             <a:endParaRPr lang="en-US" dirty="0"/>
           </a:p>
@@ -1057,7 +1057,7 @@
                 <a:tabLst/>
                 <a:defRPr/>
               </a:pPr>
-              <a:t>6/5/19 4:28 PM</a:t>
+              <a:t>12/8/19 8:32 PM</a:t>
             </a:fld>
             <a:endParaRPr kumimoji="0" lang="en-US" sz="1200" b="0" i="0" u="none" strike="noStrike" kern="1200" cap="none" spc="0" normalizeH="0" baseline="0" noProof="0" dirty="0">
               <a:ln>
@@ -1332,7 +1332,7 @@
           <a:p>
             <a:fld id="{D18B56EA-E28F-4F92-9F16-7A6F2501B303}" type="datetime8">
               <a:rPr lang="en-US" smtClean="0"/>
-              <a:t>6/5/19 4:28 PM</a:t>
+              <a:t>12/8/19 8:32 PM</a:t>
             </a:fld>
             <a:endParaRPr lang="en-US" dirty="0"/>
           </a:p>
@@ -1547,7 +1547,7 @@
           <a:p>
             <a:fld id="{D18B56EA-E28F-4F92-9F16-7A6F2501B303}" type="datetime8">
               <a:rPr lang="en-US" smtClean="0"/>
-              <a:t>6/5/19 4:28 PM</a:t>
+              <a:t>12/8/19 8:32 PM</a:t>
             </a:fld>
             <a:endParaRPr lang="en-US" dirty="0"/>
           </a:p>
@@ -1735,7 +1735,7 @@
           <a:p>
             <a:fld id="{D18B56EA-E28F-4F92-9F16-7A6F2501B303}" type="datetime8">
               <a:rPr lang="en-US" smtClean="0"/>
-              <a:t>6/5/19 4:28 PM</a:t>
+              <a:t>12/8/19 8:32 PM</a:t>
             </a:fld>
             <a:endParaRPr lang="en-US" dirty="0"/>
           </a:p>
@@ -1960,7 +1960,7 @@
           <a:p>
             <a:fld id="{D18B56EA-E28F-4F92-9F16-7A6F2501B303}" type="datetime8">
               <a:rPr lang="en-US" smtClean="0"/>
-              <a:t>6/5/19 4:28 PM</a:t>
+              <a:t>12/8/19 8:32 PM</a:t>
             </a:fld>
             <a:endParaRPr lang="en-US" dirty="0"/>
           </a:p>
@@ -2141,7 +2141,7 @@
           <a:p>
             <a:fld id="{D18B56EA-E28F-4F92-9F16-7A6F2501B303}" type="datetime8">
               <a:rPr lang="en-US" smtClean="0"/>
-              <a:t>6/5/19 4:28 PM</a:t>
+              <a:t>12/8/19 8:32 PM</a:t>
             </a:fld>
             <a:endParaRPr lang="en-US" dirty="0"/>
           </a:p>
@@ -2322,7 +2322,7 @@
           <a:p>
             <a:fld id="{D18B56EA-E28F-4F92-9F16-7A6F2501B303}" type="datetime8">
               <a:rPr lang="en-US" smtClean="0"/>
-              <a:t>6/5/19 4:28 PM</a:t>
+              <a:t>12/8/19 8:32 PM</a:t>
             </a:fld>
             <a:endParaRPr lang="en-US" dirty="0"/>
           </a:p>
@@ -2503,7 +2503,7 @@
           <a:p>
             <a:fld id="{D18B56EA-E28F-4F92-9F16-7A6F2501B303}" type="datetime8">
               <a:rPr lang="en-US" smtClean="0"/>
-              <a:t>6/5/19 4:28 PM</a:t>
+              <a:t>12/8/19 8:32 PM</a:t>
             </a:fld>
             <a:endParaRPr lang="en-US" dirty="0"/>
           </a:p>
@@ -2684,7 +2684,7 @@
           <a:p>
             <a:fld id="{D18B56EA-E28F-4F92-9F16-7A6F2501B303}" type="datetime8">
               <a:rPr lang="en-US" smtClean="0"/>
-              <a:t>6/5/19 4:28 PM</a:t>
+              <a:t>12/8/19 8:32 PM</a:t>
             </a:fld>
             <a:endParaRPr lang="en-US" dirty="0"/>
           </a:p>
@@ -2970,7 +2970,7 @@
                 <a:tabLst/>
                 <a:defRPr/>
               </a:pPr>
-              <a:t>6/5/19 4:28 PM</a:t>
+              <a:t>12/8/19 8:32 PM</a:t>
             </a:fld>
             <a:endParaRPr kumimoji="0" lang="en-US" sz="1200" b="0" i="0" u="none" strike="noStrike" kern="1200" cap="none" spc="0" normalizeH="0" baseline="0" noProof="0" dirty="0">
               <a:ln>
@@ -3223,7 +3223,7 @@
           <a:p>
             <a:fld id="{D18B56EA-E28F-4F92-9F16-7A6F2501B303}" type="datetime8">
               <a:rPr lang="en-US" smtClean="0"/>
-              <a:t>6/5/19 4:28 PM</a:t>
+              <a:t>12/8/19 8:32 PM</a:t>
             </a:fld>
             <a:endParaRPr lang="en-US" dirty="0"/>
           </a:p>
@@ -3484,7 +3484,7 @@
           <a:p>
             <a:fld id="{D18B56EA-E28F-4F92-9F16-7A6F2501B303}" type="datetime8">
               <a:rPr lang="en-US" smtClean="0"/>
-              <a:t>6/5/19 4:28 PM</a:t>
+              <a:t>12/8/19 8:32 PM</a:t>
             </a:fld>
             <a:endParaRPr lang="en-US" dirty="0"/>
           </a:p>
@@ -3711,7 +3711,7 @@
           <a:p>
             <a:fld id="{D18B56EA-E28F-4F92-9F16-7A6F2501B303}" type="datetime8">
               <a:rPr lang="en-US" smtClean="0"/>
-              <a:t>6/5/19 4:28 PM</a:t>
+              <a:t>12/8/19 8:32 PM</a:t>
             </a:fld>
             <a:endParaRPr lang="en-US" dirty="0"/>
           </a:p>
@@ -3974,7 +3974,7 @@
           <a:p>
             <a:fld id="{D18B56EA-E28F-4F92-9F16-7A6F2501B303}" type="datetime8">
               <a:rPr lang="en-US" smtClean="0"/>
-              <a:t>6/5/19 4:28 PM</a:t>
+              <a:t>12/8/19 8:32 PM</a:t>
             </a:fld>
             <a:endParaRPr lang="en-US" dirty="0"/>
           </a:p>
@@ -4197,7 +4197,7 @@
           <a:p>
             <a:fld id="{D18B56EA-E28F-4F92-9F16-7A6F2501B303}" type="datetime8">
               <a:rPr lang="en-US" smtClean="0"/>
-              <a:t>6/5/19 4:28 PM</a:t>
+              <a:t>12/8/19 8:32 PM</a:t>
             </a:fld>
             <a:endParaRPr lang="en-US" dirty="0"/>
           </a:p>
@@ -4395,7 +4395,7 @@
           <a:p>
             <a:fld id="{D18B56EA-E28F-4F92-9F16-7A6F2501B303}" type="datetime8">
               <a:rPr lang="en-US" smtClean="0"/>
-              <a:t>6/5/19 4:28 PM</a:t>
+              <a:t>12/8/19 8:32 PM</a:t>
             </a:fld>
             <a:endParaRPr lang="en-US" dirty="0"/>
           </a:p>
@@ -4610,7 +4610,7 @@
           <a:p>
             <a:fld id="{D18B56EA-E28F-4F92-9F16-7A6F2501B303}" type="datetime8">
               <a:rPr lang="en-US" smtClean="0"/>
-              <a:t>6/5/19 4:28 PM</a:t>
+              <a:t>12/8/19 8:32 PM</a:t>
             </a:fld>
             <a:endParaRPr lang="en-US" dirty="0"/>
           </a:p>
@@ -15093,7 +15093,7 @@
           <a:p>
             <a:r>
               <a:rPr lang="en-US" dirty="0"/>
-              <a:t>Task Pane Experiences</a:t>
+              <a:t>Task Pane Experiences </a:t>
             </a:r>
             <a:endParaRPr lang="en-US" dirty="0">
               <a:noFill/>

--- a/OfficeAddin/04 Building Add-ins for Microsoft Outlook/03 Task Pane Experiences.pptx
+++ b/OfficeAddin/04 Building Add-ins for Microsoft Outlook/03 Task Pane Experiences.pptx
@@ -275,7 +275,7 @@
               <a:rPr lang="en-US" smtClean="0">
                 <a:latin typeface="Segoe UI" pitchFamily="34" charset="0"/>
               </a:rPr>
-              <a:t>12/8/19 8:32 PM</a:t>
+              <a:t>3/3/20 9:07 PM</a:t>
             </a:fld>
             <a:endParaRPr lang="en-US" dirty="0">
               <a:latin typeface="Segoe UI" pitchFamily="34" charset="0"/>
@@ -569,7 +569,7 @@
           <a:p>
             <a:fld id="{D18B56EA-E28F-4F92-9F16-7A6F2501B303}" type="datetime8">
               <a:rPr lang="en-US" smtClean="0"/>
-              <a:t>12/8/19 8:32 PM</a:t>
+              <a:t>3/3/20 9:07 PM</a:t>
             </a:fld>
             <a:endParaRPr lang="en-US" dirty="0"/>
           </a:p>
@@ -1057,7 +1057,7 @@
                 <a:tabLst/>
                 <a:defRPr/>
               </a:pPr>
-              <a:t>12/8/19 8:32 PM</a:t>
+              <a:t>3/3/20 9:07 PM</a:t>
             </a:fld>
             <a:endParaRPr kumimoji="0" lang="en-US" sz="1200" b="0" i="0" u="none" strike="noStrike" kern="1200" cap="none" spc="0" normalizeH="0" baseline="0" noProof="0" dirty="0">
               <a:ln>
@@ -1332,7 +1332,7 @@
           <a:p>
             <a:fld id="{D18B56EA-E28F-4F92-9F16-7A6F2501B303}" type="datetime8">
               <a:rPr lang="en-US" smtClean="0"/>
-              <a:t>12/8/19 8:32 PM</a:t>
+              <a:t>3/3/20 9:07 PM</a:t>
             </a:fld>
             <a:endParaRPr lang="en-US" dirty="0"/>
           </a:p>
@@ -1547,7 +1547,7 @@
           <a:p>
             <a:fld id="{D18B56EA-E28F-4F92-9F16-7A6F2501B303}" type="datetime8">
               <a:rPr lang="en-US" smtClean="0"/>
-              <a:t>12/8/19 8:32 PM</a:t>
+              <a:t>3/3/20 9:07 PM</a:t>
             </a:fld>
             <a:endParaRPr lang="en-US" dirty="0"/>
           </a:p>
@@ -1735,7 +1735,7 @@
           <a:p>
             <a:fld id="{D18B56EA-E28F-4F92-9F16-7A6F2501B303}" type="datetime8">
               <a:rPr lang="en-US" smtClean="0"/>
-              <a:t>12/8/19 8:32 PM</a:t>
+              <a:t>3/3/20 9:07 PM</a:t>
             </a:fld>
             <a:endParaRPr lang="en-US" dirty="0"/>
           </a:p>
@@ -1960,7 +1960,7 @@
           <a:p>
             <a:fld id="{D18B56EA-E28F-4F92-9F16-7A6F2501B303}" type="datetime8">
               <a:rPr lang="en-US" smtClean="0"/>
-              <a:t>12/8/19 8:32 PM</a:t>
+              <a:t>3/3/20 9:07 PM</a:t>
             </a:fld>
             <a:endParaRPr lang="en-US" dirty="0"/>
           </a:p>
@@ -2141,7 +2141,7 @@
           <a:p>
             <a:fld id="{D18B56EA-E28F-4F92-9F16-7A6F2501B303}" type="datetime8">
               <a:rPr lang="en-US" smtClean="0"/>
-              <a:t>12/8/19 8:32 PM</a:t>
+              <a:t>3/3/20 9:07 PM</a:t>
             </a:fld>
             <a:endParaRPr lang="en-US" dirty="0"/>
           </a:p>
@@ -2322,7 +2322,7 @@
           <a:p>
             <a:fld id="{D18B56EA-E28F-4F92-9F16-7A6F2501B303}" type="datetime8">
               <a:rPr lang="en-US" smtClean="0"/>
-              <a:t>12/8/19 8:32 PM</a:t>
+              <a:t>3/3/20 9:07 PM</a:t>
             </a:fld>
             <a:endParaRPr lang="en-US" dirty="0"/>
           </a:p>
@@ -2503,7 +2503,7 @@
           <a:p>
             <a:fld id="{D18B56EA-E28F-4F92-9F16-7A6F2501B303}" type="datetime8">
               <a:rPr lang="en-US" smtClean="0"/>
-              <a:t>12/8/19 8:32 PM</a:t>
+              <a:t>3/3/20 9:07 PM</a:t>
             </a:fld>
             <a:endParaRPr lang="en-US" dirty="0"/>
           </a:p>
@@ -2684,7 +2684,7 @@
           <a:p>
             <a:fld id="{D18B56EA-E28F-4F92-9F16-7A6F2501B303}" type="datetime8">
               <a:rPr lang="en-US" smtClean="0"/>
-              <a:t>12/8/19 8:32 PM</a:t>
+              <a:t>3/3/20 9:07 PM</a:t>
             </a:fld>
             <a:endParaRPr lang="en-US" dirty="0"/>
           </a:p>
@@ -2970,7 +2970,7 @@
                 <a:tabLst/>
                 <a:defRPr/>
               </a:pPr>
-              <a:t>12/8/19 8:32 PM</a:t>
+              <a:t>3/3/20 9:07 PM</a:t>
             </a:fld>
             <a:endParaRPr kumimoji="0" lang="en-US" sz="1200" b="0" i="0" u="none" strike="noStrike" kern="1200" cap="none" spc="0" normalizeH="0" baseline="0" noProof="0" dirty="0">
               <a:ln>
@@ -3223,7 +3223,7 @@
           <a:p>
             <a:fld id="{D18B56EA-E28F-4F92-9F16-7A6F2501B303}" type="datetime8">
               <a:rPr lang="en-US" smtClean="0"/>
-              <a:t>12/8/19 8:32 PM</a:t>
+              <a:t>3/3/20 9:07 PM</a:t>
             </a:fld>
             <a:endParaRPr lang="en-US" dirty="0"/>
           </a:p>
@@ -3484,7 +3484,7 @@
           <a:p>
             <a:fld id="{D18B56EA-E28F-4F92-9F16-7A6F2501B303}" type="datetime8">
               <a:rPr lang="en-US" smtClean="0"/>
-              <a:t>12/8/19 8:32 PM</a:t>
+              <a:t>3/3/20 9:07 PM</a:t>
             </a:fld>
             <a:endParaRPr lang="en-US" dirty="0"/>
           </a:p>
@@ -3711,7 +3711,7 @@
           <a:p>
             <a:fld id="{D18B56EA-E28F-4F92-9F16-7A6F2501B303}" type="datetime8">
               <a:rPr lang="en-US" smtClean="0"/>
-              <a:t>12/8/19 8:32 PM</a:t>
+              <a:t>3/3/20 9:07 PM</a:t>
             </a:fld>
             <a:endParaRPr lang="en-US" dirty="0"/>
           </a:p>
@@ -3974,7 +3974,7 @@
           <a:p>
             <a:fld id="{D18B56EA-E28F-4F92-9F16-7A6F2501B303}" type="datetime8">
               <a:rPr lang="en-US" smtClean="0"/>
-              <a:t>12/8/19 8:32 PM</a:t>
+              <a:t>3/3/20 9:07 PM</a:t>
             </a:fld>
             <a:endParaRPr lang="en-US" dirty="0"/>
           </a:p>
@@ -4197,7 +4197,7 @@
           <a:p>
             <a:fld id="{D18B56EA-E28F-4F92-9F16-7A6F2501B303}" type="datetime8">
               <a:rPr lang="en-US" smtClean="0"/>
-              <a:t>12/8/19 8:32 PM</a:t>
+              <a:t>3/3/20 9:07 PM</a:t>
             </a:fld>
             <a:endParaRPr lang="en-US" dirty="0"/>
           </a:p>
@@ -4395,7 +4395,7 @@
           <a:p>
             <a:fld id="{D18B56EA-E28F-4F92-9F16-7A6F2501B303}" type="datetime8">
               <a:rPr lang="en-US" smtClean="0"/>
-              <a:t>12/8/19 8:32 PM</a:t>
+              <a:t>3/3/20 9:07 PM</a:t>
             </a:fld>
             <a:endParaRPr lang="en-US" dirty="0"/>
           </a:p>
@@ -4610,7 +4610,7 @@
           <a:p>
             <a:fld id="{D18B56EA-E28F-4F92-9F16-7A6F2501B303}" type="datetime8">
               <a:rPr lang="en-US" smtClean="0"/>
-              <a:t>12/8/19 8:32 PM</a:t>
+              <a:t>3/3/20 9:07 PM</a:t>
             </a:fld>
             <a:endParaRPr lang="en-US" dirty="0"/>
           </a:p>
@@ -15093,7 +15093,11 @@
           <a:p>
             <a:r>
               <a:rPr lang="en-US" dirty="0"/>
-              <a:t>Task Pane Experiences </a:t>
+              <a:t>Task </a:t>
+            </a:r>
+            <a:r>
+              <a:rPr lang="en-US"/>
+              <a:t>Pane Experiences  </a:t>
             </a:r>
             <a:endParaRPr lang="en-US" dirty="0">
               <a:noFill/>

--- a/OfficeAddin/04 Building Add-ins for Microsoft Outlook/03 Task Pane Experiences.pptx
+++ b/OfficeAddin/04 Building Add-ins for Microsoft Outlook/03 Task Pane Experiences.pptx
@@ -275,7 +275,7 @@
               <a:rPr lang="en-US" smtClean="0">
                 <a:latin typeface="Segoe UI" pitchFamily="34" charset="0"/>
               </a:rPr>
-              <a:t>3/3/20 9:07 PM</a:t>
+              <a:t>4/7/20 4:21 PM</a:t>
             </a:fld>
             <a:endParaRPr lang="en-US" dirty="0">
               <a:latin typeface="Segoe UI" pitchFamily="34" charset="0"/>
@@ -569,7 +569,7 @@
           <a:p>
             <a:fld id="{D18B56EA-E28F-4F92-9F16-7A6F2501B303}" type="datetime8">
               <a:rPr lang="en-US" smtClean="0"/>
-              <a:t>3/3/20 9:07 PM</a:t>
+              <a:t>4/7/20 4:21 PM</a:t>
             </a:fld>
             <a:endParaRPr lang="en-US" dirty="0"/>
           </a:p>
@@ -1057,7 +1057,7 @@
                 <a:tabLst/>
                 <a:defRPr/>
               </a:pPr>
-              <a:t>3/3/20 9:07 PM</a:t>
+              <a:t>4/7/20 4:21 PM</a:t>
             </a:fld>
             <a:endParaRPr kumimoji="0" lang="en-US" sz="1200" b="0" i="0" u="none" strike="noStrike" kern="1200" cap="none" spc="0" normalizeH="0" baseline="0" noProof="0" dirty="0">
               <a:ln>
@@ -1332,7 +1332,7 @@
           <a:p>
             <a:fld id="{D18B56EA-E28F-4F92-9F16-7A6F2501B303}" type="datetime8">
               <a:rPr lang="en-US" smtClean="0"/>
-              <a:t>3/3/20 9:07 PM</a:t>
+              <a:t>4/7/20 4:21 PM</a:t>
             </a:fld>
             <a:endParaRPr lang="en-US" dirty="0"/>
           </a:p>
@@ -1433,7 +1433,31 @@
                 <a:ea typeface="+mn-ea"/>
                 <a:cs typeface="+mn-cs"/>
               </a:rPr>
-              <a:t>Outlook add-in cannot pass the attachments of a selected item directly</a:t>
+              <a:t>The following sample demonstrates how to get attachments using the </a:t>
+            </a:r>
+            <a:r>
+              <a:rPr lang="en-US" sz="900" b="0" i="0" kern="1200" dirty="0" err="1">
+                <a:solidFill>
+                  <a:schemeClr val="tx1"/>
+                </a:solidFill>
+                <a:effectLst/>
+                <a:latin typeface="Segoe UI Light" pitchFamily="34" charset="0"/>
+                <a:ea typeface="+mn-ea"/>
+                <a:cs typeface="+mn-cs"/>
+              </a:rPr>
+              <a:t>Office.js</a:t>
+            </a:r>
+            <a:r>
+              <a:rPr lang="en-US" sz="900" b="0" i="0" kern="1200" dirty="0">
+                <a:solidFill>
+                  <a:schemeClr val="tx1"/>
+                </a:solidFill>
+                <a:effectLst/>
+                <a:latin typeface="Segoe UI Light" pitchFamily="34" charset="0"/>
+                <a:ea typeface="+mn-ea"/>
+                <a:cs typeface="+mn-cs"/>
+              </a:rPr>
+              <a:t>.</a:t>
             </a:r>
           </a:p>
           <a:p>
@@ -1441,6 +1465,21 @@
               <a:buFont typeface="Arial" panose="020B0604020202020204" pitchFamily="34" charset="0"/>
               <a:buChar char="•"/>
             </a:pPr>
+            <a:endParaRPr lang="en-US" sz="900" b="0" i="0" kern="1200" dirty="0">
+              <a:solidFill>
+                <a:schemeClr val="tx1"/>
+              </a:solidFill>
+              <a:effectLst/>
+              <a:latin typeface="Segoe UI Light" pitchFamily="34" charset="0"/>
+              <a:ea typeface="+mn-ea"/>
+              <a:cs typeface="+mn-cs"/>
+            </a:endParaRPr>
+          </a:p>
+          <a:p>
+            <a:pPr marL="171450" indent="-171450">
+              <a:buFont typeface="Arial" panose="020B0604020202020204" pitchFamily="34" charset="0"/>
+              <a:buChar char="•"/>
+            </a:pPr>
             <a:r>
               <a:rPr lang="en-US" sz="900" b="0" i="0" kern="1200" dirty="0">
                 <a:solidFill>
@@ -1451,9 +1490,41 @@
                 <a:ea typeface="+mn-ea"/>
                 <a:cs typeface="+mn-cs"/>
               </a:rPr>
-              <a:t>Instead it can send a token for calling Outlook REST APIs and attachment metadata to your own backend service for processing </a:t>
-            </a:r>
-            <a:endParaRPr lang="en-US" dirty="0"/>
+              <a:t>Outlook add-ins can't pass the attachments of a selected item directly from the client.</a:t>
+            </a:r>
+          </a:p>
+          <a:p>
+            <a:pPr marL="171450" indent="-171450">
+              <a:buFont typeface="Arial" panose="020B0604020202020204" pitchFamily="34" charset="0"/>
+              <a:buChar char="•"/>
+            </a:pPr>
+            <a:endParaRPr lang="en-US" sz="900" b="0" i="0" kern="1200" dirty="0">
+              <a:solidFill>
+                <a:schemeClr val="tx1"/>
+              </a:solidFill>
+              <a:effectLst/>
+              <a:latin typeface="Segoe UI Light" pitchFamily="34" charset="0"/>
+              <a:ea typeface="+mn-ea"/>
+              <a:cs typeface="+mn-cs"/>
+            </a:endParaRPr>
+          </a:p>
+          <a:p>
+            <a:pPr marL="171450" indent="-171450">
+              <a:buFont typeface="Arial" panose="020B0604020202020204" pitchFamily="34" charset="0"/>
+              <a:buChar char="•"/>
+            </a:pPr>
+            <a:r>
+              <a:rPr lang="en-US" sz="900" b="0" i="0" kern="1200" dirty="0">
+                <a:solidFill>
+                  <a:schemeClr val="tx1"/>
+                </a:solidFill>
+                <a:effectLst/>
+                <a:latin typeface="Segoe UI Light" pitchFamily="34" charset="0"/>
+                <a:ea typeface="+mn-ea"/>
+                <a:cs typeface="+mn-cs"/>
+              </a:rPr>
+              <a:t>Instead, Outlook can return an OAuth 2.0 access token the add-in can use to call the Outlook REST APIs.</a:t>
+            </a:r>
           </a:p>
         </p:txBody>
       </p:sp>
@@ -1547,7 +1618,7 @@
           <a:p>
             <a:fld id="{D18B56EA-E28F-4F92-9F16-7A6F2501B303}" type="datetime8">
               <a:rPr lang="en-US" smtClean="0"/>
-              <a:t>3/3/20 9:07 PM</a:t>
+              <a:t>4/7/20 5:36 PM</a:t>
             </a:fld>
             <a:endParaRPr lang="en-US" dirty="0"/>
           </a:p>
@@ -1735,7 +1806,7 @@
           <a:p>
             <a:fld id="{D18B56EA-E28F-4F92-9F16-7A6F2501B303}" type="datetime8">
               <a:rPr lang="en-US" smtClean="0"/>
-              <a:t>3/3/20 9:07 PM</a:t>
+              <a:t>4/7/20 4:21 PM</a:t>
             </a:fld>
             <a:endParaRPr lang="en-US" dirty="0"/>
           </a:p>
@@ -1960,7 +2031,7 @@
           <a:p>
             <a:fld id="{D18B56EA-E28F-4F92-9F16-7A6F2501B303}" type="datetime8">
               <a:rPr lang="en-US" smtClean="0"/>
-              <a:t>3/3/20 9:07 PM</a:t>
+              <a:t>4/7/20 4:21 PM</a:t>
             </a:fld>
             <a:endParaRPr lang="en-US" dirty="0"/>
           </a:p>
@@ -2141,7 +2212,7 @@
           <a:p>
             <a:fld id="{D18B56EA-E28F-4F92-9F16-7A6F2501B303}" type="datetime8">
               <a:rPr lang="en-US" smtClean="0"/>
-              <a:t>3/3/20 9:07 PM</a:t>
+              <a:t>4/7/20 4:21 PM</a:t>
             </a:fld>
             <a:endParaRPr lang="en-US" dirty="0"/>
           </a:p>
@@ -2322,7 +2393,7 @@
           <a:p>
             <a:fld id="{D18B56EA-E28F-4F92-9F16-7A6F2501B303}" type="datetime8">
               <a:rPr lang="en-US" smtClean="0"/>
-              <a:t>3/3/20 9:07 PM</a:t>
+              <a:t>4/7/20 4:21 PM</a:t>
             </a:fld>
             <a:endParaRPr lang="en-US" dirty="0"/>
           </a:p>
@@ -2503,7 +2574,7 @@
           <a:p>
             <a:fld id="{D18B56EA-E28F-4F92-9F16-7A6F2501B303}" type="datetime8">
               <a:rPr lang="en-US" smtClean="0"/>
-              <a:t>3/3/20 9:07 PM</a:t>
+              <a:t>4/7/20 4:21 PM</a:t>
             </a:fld>
             <a:endParaRPr lang="en-US" dirty="0"/>
           </a:p>
@@ -2684,7 +2755,7 @@
           <a:p>
             <a:fld id="{D18B56EA-E28F-4F92-9F16-7A6F2501B303}" type="datetime8">
               <a:rPr lang="en-US" smtClean="0"/>
-              <a:t>3/3/20 9:07 PM</a:t>
+              <a:t>4/7/20 4:21 PM</a:t>
             </a:fld>
             <a:endParaRPr lang="en-US" dirty="0"/>
           </a:p>
@@ -2771,7 +2842,10 @@
           <a:bodyPr/>
           <a:lstStyle/>
           <a:p>
-            <a:endParaRPr lang="en-US"/>
+            <a:r>
+              <a:rPr lang="en-US" dirty="0"/>
+              <a:t>In this unit, you'll learn how you can use task panes in Outlook add-ins and how to store user settings for use across devices.</a:t>
+            </a:r>
           </a:p>
         </p:txBody>
       </p:sp>
@@ -2970,7 +3044,7 @@
                 <a:tabLst/>
                 <a:defRPr/>
               </a:pPr>
-              <a:t>3/3/20 9:07 PM</a:t>
+              <a:t>4/7/20 4:30 PM</a:t>
             </a:fld>
             <a:endParaRPr kumimoji="0" lang="en-US" sz="1200" b="0" i="0" u="none" strike="noStrike" kern="1200" cap="none" spc="0" normalizeH="0" baseline="0" noProof="0" dirty="0">
               <a:ln>
@@ -3129,7 +3203,41 @@
           <a:bodyPr/>
           <a:lstStyle/>
           <a:p>
+            <a:r>
+              <a:rPr lang="en-US" dirty="0"/>
+              <a:t>By default, if a user has an add-in task pane open for a message in the Reading Pane, and then selects a new message, the task pane is automatically closed. Pinning allows the task pane to stay activated.</a:t>
+            </a:r>
+          </a:p>
+          <a:p>
             <a:endParaRPr lang="en-US" dirty="0"/>
+          </a:p>
+          <a:p>
+            <a:r>
+              <a:rPr lang="en-US" dirty="0" err="1"/>
+              <a:t>Pinnable</a:t>
+            </a:r>
+            <a:r>
+              <a:rPr lang="en-US" dirty="0"/>
+              <a:t> task panes ideal for heavily-used add-ins. In these cases, the user may prefer to keep that pane open, eliminating the need to reactivate the add-in on each message</a:t>
+            </a:r>
+          </a:p>
+          <a:p>
+            <a:endParaRPr lang="en-US" dirty="0"/>
+          </a:p>
+          <a:p>
+            <a:r>
+              <a:rPr lang="en-US" dirty="0"/>
+              <a:t>At the current time only available in Outlook 2016 for Windows and Outlook Online (or later).</a:t>
+            </a:r>
+          </a:p>
+          <a:p>
+            <a:endParaRPr lang="en-US" dirty="0"/>
+          </a:p>
+          <a:p>
+            <a:r>
+              <a:rPr lang="en-US" dirty="0"/>
+              <a:t>Developers must specify in the manifest that the task pane supports pinning and "listen" for new item selections to update UI of task pane.</a:t>
+            </a:r>
           </a:p>
         </p:txBody>
       </p:sp>
@@ -3223,7 +3331,7 @@
           <a:p>
             <a:fld id="{D18B56EA-E28F-4F92-9F16-7A6F2501B303}" type="datetime8">
               <a:rPr lang="en-US" smtClean="0"/>
-              <a:t>3/3/20 9:07 PM</a:t>
+              <a:t>4/7/20 4:39 PM</a:t>
             </a:fld>
             <a:endParaRPr lang="en-US" dirty="0"/>
           </a:p>
@@ -3316,7 +3424,7 @@
             </a:pPr>
             <a:r>
               <a:rPr lang="en-US" dirty="0"/>
-              <a:t>This slide demonstrates the basics for implementing a </a:t>
+              <a:t>To implement a </a:t>
             </a:r>
             <a:r>
               <a:rPr lang="en-US" dirty="0" err="1"/>
@@ -3324,7 +3432,15 @@
             </a:r>
             <a:r>
               <a:rPr lang="en-US" dirty="0"/>
-              <a:t> tab</a:t>
+              <a:t> task pane, add the `</a:t>
+            </a:r>
+            <a:r>
+              <a:rPr lang="en-US" dirty="0" err="1"/>
+              <a:t>SupportsPinning</a:t>
+            </a:r>
+            <a:r>
+              <a:rPr lang="en-US" dirty="0"/>
+              <a:t>` element to your add-in manifest:</a:t>
             </a:r>
           </a:p>
           <a:p>
@@ -3332,18 +3448,7 @@
               <a:buFont typeface="Arial" panose="020B0604020202020204" pitchFamily="34" charset="0"/>
               <a:buChar char="•"/>
             </a:pPr>
-            <a:r>
-              <a:rPr lang="en-US" dirty="0"/>
-              <a:t>You need to add the </a:t>
-            </a:r>
-            <a:r>
-              <a:rPr lang="en-US" dirty="0" err="1"/>
-              <a:t>SupportsPinning</a:t>
-            </a:r>
-            <a:r>
-              <a:rPr lang="en-US" dirty="0"/>
-              <a:t> element to your add-in manifest</a:t>
-            </a:r>
+            <a:endParaRPr lang="en-US" dirty="0"/>
           </a:p>
           <a:p>
             <a:pPr marL="171450" indent="-171450">
@@ -3352,27 +3457,23 @@
             </a:pPr>
             <a:r>
               <a:rPr lang="en-US" dirty="0"/>
-              <a:t>You also need to wire into the </a:t>
-            </a:r>
-            <a:r>
-              <a:rPr lang="en-US" sz="900" b="0" dirty="0" err="1">
-                <a:solidFill>
-                  <a:srgbClr val="001080"/>
-                </a:solidFill>
-                <a:latin typeface="Consolas" panose="020B0609020204030204" pitchFamily="49" charset="0"/>
-                <a:cs typeface="Consolas" panose="020B0609020204030204" pitchFamily="49" charset="0"/>
-              </a:rPr>
+              <a:t>You'll also need to implement a handler for the `</a:t>
+            </a:r>
+            <a:r>
+              <a:rPr lang="en-US" dirty="0" err="1"/>
               <a:t>ItemChanged</a:t>
             </a:r>
             <a:r>
-              <a:rPr lang="en-US" sz="900" b="0" dirty="0">
-                <a:solidFill>
-                  <a:srgbClr val="001080"/>
-                </a:solidFill>
-                <a:latin typeface="Consolas" panose="020B0609020204030204" pitchFamily="49" charset="0"/>
-                <a:cs typeface="Consolas" panose="020B0609020204030204" pitchFamily="49" charset="0"/>
-              </a:rPr>
-              <a:t> event so you can update your UI when a new item is selected </a:t>
+              <a:rPr lang="en-US" dirty="0"/>
+              <a:t>` event so your add-in can update </a:t>
+            </a:r>
+            <a:r>
+              <a:rPr lang="en-US" dirty="0" err="1"/>
+              <a:t>thew</a:t>
+            </a:r>
+            <a:r>
+              <a:rPr lang="en-US" dirty="0"/>
+              <a:t> UI when a new item is selected.</a:t>
             </a:r>
           </a:p>
           <a:p>
@@ -3380,17 +3481,25 @@
               <a:buFont typeface="Arial" panose="020B0604020202020204" pitchFamily="34" charset="0"/>
               <a:buChar char="•"/>
             </a:pPr>
-            <a:r>
-              <a:rPr lang="en-US" sz="900" b="0" dirty="0">
-                <a:solidFill>
-                  <a:srgbClr val="001080"/>
-                </a:solidFill>
-                <a:latin typeface="Consolas" panose="020B0609020204030204" pitchFamily="49" charset="0"/>
-                <a:cs typeface="Consolas" panose="020B0609020204030204" pitchFamily="49" charset="0"/>
-              </a:rPr>
-              <a:t>This should also account for null because the user could have no selection, which would return a null item</a:t>
-            </a:r>
             <a:endParaRPr lang="en-US" dirty="0"/>
+          </a:p>
+          <a:p>
+            <a:pPr marL="171450" indent="-171450">
+              <a:buFont typeface="Arial" panose="020B0604020202020204" pitchFamily="34" charset="0"/>
+              <a:buChar char="•"/>
+            </a:pPr>
+            <a:r>
+              <a:rPr lang="en-US" dirty="0"/>
+              <a:t>The `</a:t>
+            </a:r>
+            <a:r>
+              <a:rPr lang="en-US" dirty="0" err="1"/>
+              <a:t>ItemChanged</a:t>
+            </a:r>
+            <a:r>
+              <a:rPr lang="en-US" dirty="0"/>
+              <a:t>` handler should account for `null` because the user could have no selection, which would return a `null` item.</a:t>
+            </a:r>
           </a:p>
         </p:txBody>
       </p:sp>
@@ -3484,7 +3593,7 @@
           <a:p>
             <a:fld id="{D18B56EA-E28F-4F92-9F16-7A6F2501B303}" type="datetime8">
               <a:rPr lang="en-US" smtClean="0"/>
-              <a:t>3/3/20 9:07 PM</a:t>
+              <a:t>4/7/20 4:58 PM</a:t>
             </a:fld>
             <a:endParaRPr lang="en-US" dirty="0"/>
           </a:p>
@@ -3577,7 +3686,15 @@
             </a:pPr>
             <a:r>
               <a:rPr lang="en-US" dirty="0"/>
-              <a:t>This page shows some basic BODY operations</a:t>
+              <a:t>Let's look at some common tasks developers face when creating add-ins for Outlook using </a:t>
+            </a:r>
+            <a:r>
+              <a:rPr lang="en-US" dirty="0" err="1"/>
+              <a:t>Office.js</a:t>
+            </a:r>
+            <a:r>
+              <a:rPr lang="en-US" dirty="0"/>
+              <a:t>.</a:t>
             </a:r>
           </a:p>
           <a:p>
@@ -3585,14 +3702,7 @@
               <a:buFont typeface="Arial" panose="020B0604020202020204" pitchFamily="34" charset="0"/>
               <a:buChar char="•"/>
             </a:pPr>
-            <a:r>
-              <a:rPr lang="en-US" dirty="0" err="1"/>
-              <a:t>body.getAsync</a:t>
-            </a:r>
-            <a:r>
-              <a:rPr lang="en-US" dirty="0"/>
-              <a:t> is used to read the body of a message…notice the coercion type being specified…in this cast HTML</a:t>
-            </a:r>
+            <a:endParaRPr lang="en-US" dirty="0"/>
           </a:p>
           <a:p>
             <a:pPr marL="171450" indent="-171450">
@@ -3601,22 +3711,84 @@
             </a:pPr>
             <a:r>
               <a:rPr lang="en-US" dirty="0"/>
-              <a:t>Prior to inserting data into the message body, you should check the format of the message using </a:t>
-            </a:r>
-            <a:r>
-              <a:rPr lang="en-US" dirty="0" err="1"/>
-              <a:t>body.getTypeAsync</a:t>
-            </a:r>
-            <a:endParaRPr lang="en-US" dirty="0"/>
+              <a:t>The following example shows some basic BODY operations. The `</a:t>
+            </a:r>
+            <a:r>
+              <a:rPr lang="en-US" dirty="0" err="1"/>
+              <a:t>body.getAsync</a:t>
+            </a:r>
+            <a:r>
+              <a:rPr lang="en-US" dirty="0"/>
+              <a:t>()` method is used to read the body of a message. Notice the coercion type that's specified. In this sample, we're asking for the content to be returned as HTML.</a:t>
+            </a:r>
           </a:p>
           <a:p>
             <a:pPr marL="171450" indent="-171450">
               <a:buFont typeface="Arial" panose="020B0604020202020204" pitchFamily="34" charset="0"/>
               <a:buChar char="•"/>
             </a:pPr>
-            <a:r>
-              <a:rPr lang="en-US" dirty="0"/>
-              <a:t>The sample shows inserting data into two different places in the message…at the position of the current cursor or at the beginning of the body</a:t>
+            <a:endParaRPr lang="en-US" dirty="0"/>
+          </a:p>
+          <a:p>
+            <a:pPr marL="171450" indent="-171450">
+              <a:buFont typeface="Arial" panose="020B0604020202020204" pitchFamily="34" charset="0"/>
+              <a:buChar char="•"/>
+            </a:pPr>
+            <a:r>
+              <a:rPr lang="en-US" dirty="0"/>
+              <a:t>Prior to inserting data into the message body, you should check the format of the message using the `</a:t>
+            </a:r>
+            <a:r>
+              <a:rPr lang="en-US" dirty="0" err="1"/>
+              <a:t>body.getTypeAsync</a:t>
+            </a:r>
+            <a:r>
+              <a:rPr lang="en-US" dirty="0"/>
+              <a:t>()` method.</a:t>
+            </a:r>
+          </a:p>
+          <a:p>
+            <a:pPr marL="171450" indent="-171450">
+              <a:buFont typeface="Arial" panose="020B0604020202020204" pitchFamily="34" charset="0"/>
+              <a:buChar char="•"/>
+            </a:pPr>
+            <a:endParaRPr lang="en-US" dirty="0"/>
+          </a:p>
+          <a:p>
+            <a:pPr marL="171450" indent="-171450">
+              <a:buFont typeface="Arial" panose="020B0604020202020204" pitchFamily="34" charset="0"/>
+              <a:buChar char="•"/>
+            </a:pPr>
+            <a:r>
+              <a:rPr lang="en-US" dirty="0"/>
+              <a:t>The sample shows inserting data into two different places in the message:</a:t>
+            </a:r>
+          </a:p>
+          <a:p>
+            <a:pPr marL="171450" indent="-171450">
+              <a:buFont typeface="Arial" panose="020B0604020202020204" pitchFamily="34" charset="0"/>
+              <a:buChar char="•"/>
+            </a:pPr>
+            <a:endParaRPr lang="en-US" dirty="0"/>
+          </a:p>
+          <a:p>
+            <a:pPr marL="171450" indent="-171450">
+              <a:buFont typeface="Arial" panose="020B0604020202020204" pitchFamily="34" charset="0"/>
+              <a:buChar char="•"/>
+            </a:pPr>
+            <a:r>
+              <a:rPr lang="en-US" dirty="0"/>
+              <a:t>- the position of the current cursor </a:t>
+            </a:r>
+          </a:p>
+          <a:p>
+            <a:pPr marL="171450" indent="-171450">
+              <a:buFont typeface="Arial" panose="020B0604020202020204" pitchFamily="34" charset="0"/>
+              <a:buChar char="•"/>
+            </a:pPr>
+            <a:r>
+              <a:rPr lang="en-US" dirty="0"/>
+              <a:t>- the beginning of the body</a:t>
             </a:r>
           </a:p>
         </p:txBody>
@@ -3711,7 +3883,7 @@
           <a:p>
             <a:fld id="{D18B56EA-E28F-4F92-9F16-7A6F2501B303}" type="datetime8">
               <a:rPr lang="en-US" smtClean="0"/>
-              <a:t>3/3/20 9:07 PM</a:t>
+              <a:t>4/7/20 5:03 PM</a:t>
             </a:fld>
             <a:endParaRPr lang="en-US" dirty="0"/>
           </a:p>
@@ -3804,7 +3976,7 @@
             </a:pPr>
             <a:r>
               <a:rPr lang="en-US" dirty="0"/>
-              <a:t>This sample gets/sets recipients for both messages and appointments</a:t>
+              <a:t>The following sample demonstrates how to get and set the recipients for both messages and appointments.</a:t>
             </a:r>
           </a:p>
           <a:p>
@@ -3812,10 +3984,7 @@
               <a:buFont typeface="Arial" panose="020B0604020202020204" pitchFamily="34" charset="0"/>
               <a:buChar char="•"/>
             </a:pPr>
-            <a:r>
-              <a:rPr lang="en-US" dirty="0"/>
-              <a:t>Although the sample looks at to/required recipients, it also works for optional attendees, cc and bcc recipients.</a:t>
-            </a:r>
+            <a:endParaRPr lang="en-US" dirty="0"/>
           </a:p>
           <a:p>
             <a:pPr marL="171450" indent="-171450">
@@ -3824,7 +3993,7 @@
             </a:pPr>
             <a:r>
               <a:rPr lang="en-US" dirty="0"/>
-              <a:t>You will notice the get here uses a </a:t>
+              <a:t>The use `</a:t>
             </a:r>
             <a:r>
               <a:rPr lang="en-US" dirty="0" err="1"/>
@@ -3832,7 +4001,7 @@
             </a:r>
             <a:r>
               <a:rPr lang="en-US" dirty="0"/>
-              <a:t>, which is mainly for compose add-ins as read add-ins have direct access to recipients via </a:t>
+              <a:t>()` method is primarily for compose add-ins. Read add-ins have direct access to recipients using the properties `</a:t>
             </a:r>
             <a:r>
               <a:rPr lang="en-US" dirty="0" err="1"/>
@@ -3840,7 +4009,7 @@
             </a:r>
             <a:r>
               <a:rPr lang="en-US" dirty="0"/>
-              <a:t>, </a:t>
+              <a:t>`, `</a:t>
             </a:r>
             <a:r>
               <a:rPr lang="en-US" dirty="0" err="1"/>
@@ -3848,7 +4017,7 @@
             </a:r>
             <a:r>
               <a:rPr lang="en-US" dirty="0"/>
-              <a:t>, </a:t>
+              <a:t>`, and `</a:t>
             </a:r>
             <a:r>
               <a:rPr lang="en-US" dirty="0" err="1"/>
@@ -3856,22 +4025,24 @@
             </a:r>
             <a:r>
               <a:rPr lang="en-US" dirty="0"/>
-              <a:t>, </a:t>
-            </a:r>
-            <a:r>
-              <a:rPr lang="en-US" dirty="0" err="1"/>
-              <a:t>etc</a:t>
-            </a:r>
-            <a:endParaRPr lang="en-US" dirty="0"/>
+              <a:t>`.</a:t>
+            </a:r>
           </a:p>
           <a:p>
             <a:pPr marL="171450" indent="-171450">
               <a:buFont typeface="Arial" panose="020B0604020202020204" pitchFamily="34" charset="0"/>
               <a:buChar char="•"/>
             </a:pPr>
-            <a:r>
-              <a:rPr lang="en-US" dirty="0"/>
-              <a:t>Notice how set accepts an array of </a:t>
+            <a:endParaRPr lang="en-US" dirty="0"/>
+          </a:p>
+          <a:p>
+            <a:pPr marL="171450" indent="-171450">
+              <a:buFont typeface="Arial" panose="020B0604020202020204" pitchFamily="34" charset="0"/>
+              <a:buChar char="•"/>
+            </a:pPr>
+            <a:r>
+              <a:rPr lang="en-US" dirty="0"/>
+              <a:t>Each recipient is set using an array of objects, where each object has a `</a:t>
             </a:r>
             <a:r>
               <a:rPr lang="en-US" dirty="0" err="1"/>
@@ -3879,7 +4050,15 @@
             </a:r>
             <a:r>
               <a:rPr lang="en-US" dirty="0"/>
-              <a:t>/Email pairs</a:t>
+              <a:t>` and `</a:t>
+            </a:r>
+            <a:r>
+              <a:rPr lang="en-US" dirty="0" err="1"/>
+              <a:t>emailAddress</a:t>
+            </a:r>
+            <a:r>
+              <a:rPr lang="en-US" dirty="0"/>
+              <a:t>` property.</a:t>
             </a:r>
           </a:p>
         </p:txBody>
@@ -3974,7 +4153,7 @@
           <a:p>
             <a:fld id="{D18B56EA-E28F-4F92-9F16-7A6F2501B303}" type="datetime8">
               <a:rPr lang="en-US" smtClean="0"/>
-              <a:t>3/3/20 9:07 PM</a:t>
+              <a:t>4/7/20 5:17 PM</a:t>
             </a:fld>
             <a:endParaRPr lang="en-US" dirty="0"/>
           </a:p>
@@ -4061,48 +4240,28 @@
           <a:bodyPr/>
           <a:lstStyle/>
           <a:p>
-            <a:pPr marL="171450" indent="-171450">
+            <a:pPr marL="0" indent="0">
               <a:buFont typeface="Arial" panose="020B0604020202020204" pitchFamily="34" charset="0"/>
-              <a:buChar char="•"/>
+              <a:buNone/>
             </a:pPr>
             <a:r>
               <a:rPr lang="en-US" dirty="0"/>
-              <a:t>This sample shows how to work with </a:t>
-            </a:r>
-            <a:r>
-              <a:rPr lang="en-US" sz="900" b="0" dirty="0">
-                <a:solidFill>
-                  <a:srgbClr val="008000"/>
-                </a:solidFill>
-                <a:latin typeface="Consolas" panose="020B0609020204030204" pitchFamily="49" charset="0"/>
-                <a:cs typeface="Consolas" panose="020B0609020204030204" pitchFamily="49" charset="0"/>
-              </a:rPr>
-              <a:t>recurrence</a:t>
-            </a:r>
-            <a:r>
-              <a:rPr lang="en-US" dirty="0"/>
-              <a:t>, which is a more complex object using the </a:t>
-            </a:r>
-            <a:r>
-              <a:rPr lang="en-US" sz="900" b="0" dirty="0" err="1">
-                <a:solidFill>
-                  <a:srgbClr val="795E26"/>
-                </a:solidFill>
-                <a:latin typeface="Consolas" panose="020B0609020204030204" pitchFamily="49" charset="0"/>
-                <a:cs typeface="Consolas" panose="020B0609020204030204" pitchFamily="49" charset="0"/>
-              </a:rPr>
+              <a:t>This sample demonstrates how to set an appointment recurrence setting, which is a more complex object using the `</a:t>
+            </a:r>
+            <a:r>
+              <a:rPr lang="en-US" dirty="0" err="1"/>
               <a:t>SeriesTime</a:t>
             </a:r>
             <a:r>
-              <a:rPr lang="en-US" sz="900" b="0" dirty="0">
-                <a:solidFill>
-                  <a:srgbClr val="795E26"/>
-                </a:solidFill>
-                <a:latin typeface="Consolas" panose="020B0609020204030204" pitchFamily="49" charset="0"/>
-                <a:cs typeface="Consolas" panose="020B0609020204030204" pitchFamily="49" charset="0"/>
-              </a:rPr>
-              <a:t> object</a:t>
-            </a:r>
+              <a:rPr lang="en-US" dirty="0"/>
+              <a:t>` object.</a:t>
+            </a:r>
+          </a:p>
+          <a:p>
+            <a:pPr marL="0" indent="0">
+              <a:buFont typeface="Arial" panose="020B0604020202020204" pitchFamily="34" charset="0"/>
+              <a:buNone/>
+            </a:pPr>
             <a:endParaRPr lang="en-US" dirty="0"/>
           </a:p>
         </p:txBody>
@@ -4197,7 +4356,7 @@
           <a:p>
             <a:fld id="{D18B56EA-E28F-4F92-9F16-7A6F2501B303}" type="datetime8">
               <a:rPr lang="en-US" smtClean="0"/>
-              <a:t>3/3/20 9:07 PM</a:t>
+              <a:t>4/7/20 5:19 PM</a:t>
             </a:fld>
             <a:endParaRPr lang="en-US" dirty="0"/>
           </a:p>
@@ -4298,9 +4457,16 @@
               <a:buFont typeface="Arial" panose="020B0604020202020204" pitchFamily="34" charset="0"/>
               <a:buChar char="•"/>
             </a:pPr>
-            <a:r>
-              <a:rPr lang="en-US" dirty="0"/>
-              <a:t>Here you can see setting, removing, and getting a roaming setting</a:t>
+            <a:endParaRPr lang="en-US" dirty="0"/>
+          </a:p>
+          <a:p>
+            <a:pPr marL="171450" indent="-171450">
+              <a:buFont typeface="Arial" panose="020B0604020202020204" pitchFamily="34" charset="0"/>
+              <a:buChar char="•"/>
+            </a:pPr>
+            <a:r>
+              <a:rPr lang="en-US" dirty="0"/>
+              <a:t>The following sample demonstrates how to get, set, and remove a user's roaming setting.</a:t>
             </a:r>
           </a:p>
         </p:txBody>
@@ -4395,7 +4561,7 @@
           <a:p>
             <a:fld id="{D18B56EA-E28F-4F92-9F16-7A6F2501B303}" type="datetime8">
               <a:rPr lang="en-US" smtClean="0"/>
-              <a:t>3/3/20 9:07 PM</a:t>
+              <a:t>4/7/20 5:21 PM</a:t>
             </a:fld>
             <a:endParaRPr lang="en-US" dirty="0"/>
           </a:p>
@@ -4488,7 +4654,7 @@
             </a:pPr>
             <a:r>
               <a:rPr lang="en-US" dirty="0"/>
-              <a:t>This sample shows how to get an access token and call into the Outlook REST API</a:t>
+              <a:t>This following sample demonstrates how to get an OAuth 2.0 access token from Outlook for use in calling the Outlook REST API.</a:t>
             </a:r>
           </a:p>
           <a:p>
@@ -4496,27 +4662,25 @@
               <a:buFont typeface="Arial" panose="020B0604020202020204" pitchFamily="34" charset="0"/>
               <a:buChar char="•"/>
             </a:pPr>
-            <a:r>
-              <a:rPr lang="en-US" sz="900" b="0" dirty="0" err="1">
-                <a:solidFill>
-                  <a:srgbClr val="795E26"/>
-                </a:solidFill>
-                <a:latin typeface="Consolas" panose="020B0609020204030204" pitchFamily="49" charset="0"/>
-                <a:cs typeface="Consolas" panose="020B0609020204030204" pitchFamily="49" charset="0"/>
-              </a:rPr>
+            <a:endParaRPr lang="en-US" dirty="0"/>
+          </a:p>
+          <a:p>
+            <a:pPr marL="171450" indent="-171450">
+              <a:buFont typeface="Arial" panose="020B0604020202020204" pitchFamily="34" charset="0"/>
+              <a:buChar char="•"/>
+            </a:pPr>
+            <a:r>
+              <a:rPr lang="en-US" dirty="0"/>
+              <a:t>Use the `</a:t>
+            </a:r>
+            <a:r>
+              <a:rPr lang="en-US" dirty="0" err="1"/>
               <a:t>getCallbackTokenAsync</a:t>
             </a:r>
             <a:r>
-              <a:rPr lang="en-US" sz="900" b="0" dirty="0">
-                <a:solidFill>
-                  <a:srgbClr val="795E26"/>
-                </a:solidFill>
-                <a:latin typeface="Consolas" panose="020B0609020204030204" pitchFamily="49" charset="0"/>
-                <a:cs typeface="Consolas" panose="020B0609020204030204" pitchFamily="49" charset="0"/>
-              </a:rPr>
-              <a:t> is used to get the token and then a standard REST call can be performed with the access token passed as a bearer token in the authorization header</a:t>
-            </a:r>
-            <a:endParaRPr lang="en-US" dirty="0"/>
+              <a:rPr lang="en-US" dirty="0"/>
+              <a:t>()` method to get the token and then submit a typical REST request can be performed with the access token passed as a bearer token in the `authorization` header.</a:t>
+            </a:r>
           </a:p>
         </p:txBody>
       </p:sp>
@@ -4610,7 +4774,7 @@
           <a:p>
             <a:fld id="{D18B56EA-E28F-4F92-9F16-7A6F2501B303}" type="datetime8">
               <a:rPr lang="en-US" smtClean="0"/>
-              <a:t>3/3/20 9:07 PM</a:t>
+              <a:t>4/7/20 5:25 PM</a:t>
             </a:fld>
             <a:endParaRPr lang="en-US" dirty="0"/>
           </a:p>

--- a/OfficeAddin/04 Building Add-ins for Microsoft Outlook/03 Task Pane Experiences.pptx
+++ b/OfficeAddin/04 Building Add-ins for Microsoft Outlook/03 Task Pane Experiences.pptx
@@ -275,7 +275,7 @@
               <a:rPr lang="en-US" smtClean="0">
                 <a:latin typeface="Segoe UI" pitchFamily="34" charset="0"/>
               </a:rPr>
-              <a:t>4/7/20 4:21 PM</a:t>
+              <a:t>6/17/21 11:40 AM</a:t>
             </a:fld>
             <a:endParaRPr lang="en-US" dirty="0">
               <a:latin typeface="Segoe UI" pitchFamily="34" charset="0"/>
@@ -569,7 +569,7 @@
           <a:p>
             <a:fld id="{D18B56EA-E28F-4F92-9F16-7A6F2501B303}" type="datetime8">
               <a:rPr lang="en-US" smtClean="0"/>
-              <a:t>4/7/20 4:21 PM</a:t>
+              <a:t>6/17/21 11:40 AM</a:t>
             </a:fld>
             <a:endParaRPr lang="en-US" dirty="0"/>
           </a:p>
@@ -1057,7 +1057,7 @@
                 <a:tabLst/>
                 <a:defRPr/>
               </a:pPr>
-              <a:t>4/7/20 4:21 PM</a:t>
+              <a:t>6/17/21 11:40 AM</a:t>
             </a:fld>
             <a:endParaRPr kumimoji="0" lang="en-US" sz="1200" b="0" i="0" u="none" strike="noStrike" kern="1200" cap="none" spc="0" normalizeH="0" baseline="0" noProof="0" dirty="0">
               <a:ln>
@@ -1332,7 +1332,7 @@
           <a:p>
             <a:fld id="{D18B56EA-E28F-4F92-9F16-7A6F2501B303}" type="datetime8">
               <a:rPr lang="en-US" smtClean="0"/>
-              <a:t>4/7/20 4:21 PM</a:t>
+              <a:t>6/17/21 11:40 AM</a:t>
             </a:fld>
             <a:endParaRPr lang="en-US" dirty="0"/>
           </a:p>
@@ -1618,7 +1618,7 @@
           <a:p>
             <a:fld id="{D18B56EA-E28F-4F92-9F16-7A6F2501B303}" type="datetime8">
               <a:rPr lang="en-US" smtClean="0"/>
-              <a:t>4/7/20 5:36 PM</a:t>
+              <a:t>6/17/21 11:40 AM</a:t>
             </a:fld>
             <a:endParaRPr lang="en-US" dirty="0"/>
           </a:p>
@@ -1806,7 +1806,7 @@
           <a:p>
             <a:fld id="{D18B56EA-E28F-4F92-9F16-7A6F2501B303}" type="datetime8">
               <a:rPr lang="en-US" smtClean="0"/>
-              <a:t>4/7/20 4:21 PM</a:t>
+              <a:t>6/17/21 11:40 AM</a:t>
             </a:fld>
             <a:endParaRPr lang="en-US" dirty="0"/>
           </a:p>
@@ -2031,7 +2031,7 @@
           <a:p>
             <a:fld id="{D18B56EA-E28F-4F92-9F16-7A6F2501B303}" type="datetime8">
               <a:rPr lang="en-US" smtClean="0"/>
-              <a:t>4/7/20 4:21 PM</a:t>
+              <a:t>6/17/21 11:40 AM</a:t>
             </a:fld>
             <a:endParaRPr lang="en-US" dirty="0"/>
           </a:p>
@@ -2212,7 +2212,7 @@
           <a:p>
             <a:fld id="{D18B56EA-E28F-4F92-9F16-7A6F2501B303}" type="datetime8">
               <a:rPr lang="en-US" smtClean="0"/>
-              <a:t>4/7/20 4:21 PM</a:t>
+              <a:t>6/17/21 11:40 AM</a:t>
             </a:fld>
             <a:endParaRPr lang="en-US" dirty="0"/>
           </a:p>
@@ -2393,7 +2393,7 @@
           <a:p>
             <a:fld id="{D18B56EA-E28F-4F92-9F16-7A6F2501B303}" type="datetime8">
               <a:rPr lang="en-US" smtClean="0"/>
-              <a:t>4/7/20 4:21 PM</a:t>
+              <a:t>6/17/21 11:40 AM</a:t>
             </a:fld>
             <a:endParaRPr lang="en-US" dirty="0"/>
           </a:p>
@@ -2574,7 +2574,7 @@
           <a:p>
             <a:fld id="{D18B56EA-E28F-4F92-9F16-7A6F2501B303}" type="datetime8">
               <a:rPr lang="en-US" smtClean="0"/>
-              <a:t>4/7/20 4:21 PM</a:t>
+              <a:t>6/17/21 11:40 AM</a:t>
             </a:fld>
             <a:endParaRPr lang="en-US" dirty="0"/>
           </a:p>
@@ -2755,7 +2755,7 @@
           <a:p>
             <a:fld id="{D18B56EA-E28F-4F92-9F16-7A6F2501B303}" type="datetime8">
               <a:rPr lang="en-US" smtClean="0"/>
-              <a:t>4/7/20 4:21 PM</a:t>
+              <a:t>6/17/21 11:40 AM</a:t>
             </a:fld>
             <a:endParaRPr lang="en-US" dirty="0"/>
           </a:p>
@@ -3044,7 +3044,7 @@
                 <a:tabLst/>
                 <a:defRPr/>
               </a:pPr>
-              <a:t>4/7/20 4:30 PM</a:t>
+              <a:t>6/17/21 11:40 AM</a:t>
             </a:fld>
             <a:endParaRPr kumimoji="0" lang="en-US" sz="1200" b="0" i="0" u="none" strike="noStrike" kern="1200" cap="none" spc="0" normalizeH="0" baseline="0" noProof="0" dirty="0">
               <a:ln>
@@ -3331,7 +3331,7 @@
           <a:p>
             <a:fld id="{D18B56EA-E28F-4F92-9F16-7A6F2501B303}" type="datetime8">
               <a:rPr lang="en-US" smtClean="0"/>
-              <a:t>4/7/20 4:39 PM</a:t>
+              <a:t>6/17/21 11:40 AM</a:t>
             </a:fld>
             <a:endParaRPr lang="en-US" dirty="0"/>
           </a:p>
@@ -3593,7 +3593,7 @@
           <a:p>
             <a:fld id="{D18B56EA-E28F-4F92-9F16-7A6F2501B303}" type="datetime8">
               <a:rPr lang="en-US" smtClean="0"/>
-              <a:t>4/7/20 4:58 PM</a:t>
+              <a:t>6/17/21 11:40 AM</a:t>
             </a:fld>
             <a:endParaRPr lang="en-US" dirty="0"/>
           </a:p>
@@ -3883,7 +3883,7 @@
           <a:p>
             <a:fld id="{D18B56EA-E28F-4F92-9F16-7A6F2501B303}" type="datetime8">
               <a:rPr lang="en-US" smtClean="0"/>
-              <a:t>4/7/20 5:03 PM</a:t>
+              <a:t>6/17/21 11:40 AM</a:t>
             </a:fld>
             <a:endParaRPr lang="en-US" dirty="0"/>
           </a:p>
@@ -4153,7 +4153,7 @@
           <a:p>
             <a:fld id="{D18B56EA-E28F-4F92-9F16-7A6F2501B303}" type="datetime8">
               <a:rPr lang="en-US" smtClean="0"/>
-              <a:t>4/7/20 5:17 PM</a:t>
+              <a:t>6/17/21 11:40 AM</a:t>
             </a:fld>
             <a:endParaRPr lang="en-US" dirty="0"/>
           </a:p>
@@ -4356,7 +4356,7 @@
           <a:p>
             <a:fld id="{D18B56EA-E28F-4F92-9F16-7A6F2501B303}" type="datetime8">
               <a:rPr lang="en-US" smtClean="0"/>
-              <a:t>4/7/20 5:19 PM</a:t>
+              <a:t>6/17/21 11:40 AM</a:t>
             </a:fld>
             <a:endParaRPr lang="en-US" dirty="0"/>
           </a:p>
@@ -4561,7 +4561,7 @@
           <a:p>
             <a:fld id="{D18B56EA-E28F-4F92-9F16-7A6F2501B303}" type="datetime8">
               <a:rPr lang="en-US" smtClean="0"/>
-              <a:t>4/7/20 5:21 PM</a:t>
+              <a:t>6/17/21 11:40 AM</a:t>
             </a:fld>
             <a:endParaRPr lang="en-US" dirty="0"/>
           </a:p>
@@ -4774,7 +4774,7 @@
           <a:p>
             <a:fld id="{D18B56EA-E28F-4F92-9F16-7A6F2501B303}" type="datetime8">
               <a:rPr lang="en-US" smtClean="0"/>
-              <a:t>4/7/20 5:25 PM</a:t>
+              <a:t>6/17/21 11:40 AM</a:t>
             </a:fld>
             <a:endParaRPr lang="en-US" dirty="0"/>
           </a:p>
@@ -15412,7 +15412,25 @@
           <a:p>
             <a:r>
               <a:rPr lang="en-US" dirty="0"/>
-              <a:t>Tokens and APIs (REST)</a:t>
+              <a:t>Tokens and APIs </a:t>
+            </a:r>
+            <a:r>
+              <a:rPr lang="en-US" dirty="0">
+                <a:latin typeface="Segoe UI Symbol" panose="020B0502040204020203" pitchFamily="34" charset="0"/>
+                <a:ea typeface="Segoe UI Symbol" panose="020B0502040204020203" pitchFamily="34" charset="0"/>
+              </a:rPr>
+              <a:t>(</a:t>
+            </a:r>
+            <a:r>
+              <a:rPr lang="en-US" dirty="0"/>
+              <a:t>REST</a:t>
+            </a:r>
+            <a:r>
+              <a:rPr lang="en-US" dirty="0">
+                <a:latin typeface="Segoe UI Symbol" panose="020B0502040204020203" pitchFamily="34" charset="0"/>
+                <a:ea typeface="Segoe UI Symbol" panose="020B0502040204020203" pitchFamily="34" charset="0"/>
+              </a:rPr>
+              <a:t>)</a:t>
             </a:r>
           </a:p>
         </p:txBody>
@@ -16411,7 +16429,25 @@
           <a:p>
             <a:r>
               <a:rPr lang="en-US" dirty="0"/>
-              <a:t>Tokens and APIs (EWS)</a:t>
+              <a:t>Tokens and APIs </a:t>
+            </a:r>
+            <a:r>
+              <a:rPr lang="en-US" dirty="0">
+                <a:latin typeface="Segoe UI Symbol" panose="020B0502040204020203" pitchFamily="34" charset="0"/>
+                <a:ea typeface="Segoe UI Symbol" panose="020B0502040204020203" pitchFamily="34" charset="0"/>
+              </a:rPr>
+              <a:t>(</a:t>
+            </a:r>
+            <a:r>
+              <a:rPr lang="en-US" dirty="0"/>
+              <a:t>EWS</a:t>
+            </a:r>
+            <a:r>
+              <a:rPr lang="en-US" dirty="0">
+                <a:latin typeface="Segoe UI Symbol" panose="020B0502040204020203" pitchFamily="34" charset="0"/>
+                <a:ea typeface="Segoe UI Symbol" panose="020B0502040204020203" pitchFamily="34" charset="0"/>
+              </a:rPr>
+              <a:t>)</a:t>
             </a:r>
           </a:p>
         </p:txBody>
@@ -20292,7 +20328,7 @@
                   <a:srgbClr val="D83B01"/>
                 </a:solidFill>
               </a:rPr>
-              <a:t> Task Panes</a:t>
+              <a:t> task panes</a:t>
             </a:r>
           </a:p>
           <a:p>
@@ -20315,7 +20351,7 @@
                   <a:srgbClr val="D83B01"/>
                 </a:solidFill>
               </a:rPr>
-              <a:t> for Mail Add-ins </a:t>
+              <a:t> for mail add-ins </a:t>
             </a:r>
           </a:p>
         </p:txBody>
